--- a/classes/stats2016/Lab03.pptx
+++ b/classes/stats2016/Lab03.pptx
@@ -211,7 +211,7 @@
             <a:fld id="{7D231297-2B8C-4694-89BD-AA313D4EA54B}" type="datetimeFigureOut">
               <a:rPr lang="en-US" smtClean="0"/>
               <a:pPr/>
-              <a:t>2/2/2016</a:t>
+              <a:t>2/7/2016</a:t>
             </a:fld>
             <a:endParaRPr lang="en-US"/>
           </a:p>
@@ -838,7 +838,7 @@
             <a:fld id="{1D8BD707-D9CF-40AE-B4C6-C98DA3205C09}" type="datetimeFigureOut">
               <a:rPr lang="en-US" smtClean="0"/>
               <a:pPr/>
-              <a:t>2/2/2016</a:t>
+              <a:t>2/7/2016</a:t>
             </a:fld>
             <a:endParaRPr lang="en-US"/>
           </a:p>
@@ -1005,7 +1005,7 @@
             <a:fld id="{1D8BD707-D9CF-40AE-B4C6-C98DA3205C09}" type="datetimeFigureOut">
               <a:rPr lang="en-US" smtClean="0"/>
               <a:pPr/>
-              <a:t>2/2/2016</a:t>
+              <a:t>2/7/2016</a:t>
             </a:fld>
             <a:endParaRPr lang="en-US"/>
           </a:p>
@@ -1182,7 +1182,7 @@
             <a:fld id="{1D8BD707-D9CF-40AE-B4C6-C98DA3205C09}" type="datetimeFigureOut">
               <a:rPr lang="en-US" smtClean="0"/>
               <a:pPr/>
-              <a:t>2/2/2016</a:t>
+              <a:t>2/7/2016</a:t>
             </a:fld>
             <a:endParaRPr lang="en-US"/>
           </a:p>
@@ -1349,7 +1349,7 @@
             <a:fld id="{1D8BD707-D9CF-40AE-B4C6-C98DA3205C09}" type="datetimeFigureOut">
               <a:rPr lang="en-US" smtClean="0"/>
               <a:pPr/>
-              <a:t>2/2/2016</a:t>
+              <a:t>2/7/2016</a:t>
             </a:fld>
             <a:endParaRPr lang="en-US"/>
           </a:p>
@@ -1592,7 +1592,7 @@
             <a:fld id="{1D8BD707-D9CF-40AE-B4C6-C98DA3205C09}" type="datetimeFigureOut">
               <a:rPr lang="en-US" smtClean="0"/>
               <a:pPr/>
-              <a:t>2/2/2016</a:t>
+              <a:t>2/7/2016</a:t>
             </a:fld>
             <a:endParaRPr lang="en-US"/>
           </a:p>
@@ -1877,7 +1877,7 @@
             <a:fld id="{1D8BD707-D9CF-40AE-B4C6-C98DA3205C09}" type="datetimeFigureOut">
               <a:rPr lang="en-US" smtClean="0"/>
               <a:pPr/>
-              <a:t>2/2/2016</a:t>
+              <a:t>2/7/2016</a:t>
             </a:fld>
             <a:endParaRPr lang="en-US"/>
           </a:p>
@@ -2296,7 +2296,7 @@
             <a:fld id="{1D8BD707-D9CF-40AE-B4C6-C98DA3205C09}" type="datetimeFigureOut">
               <a:rPr lang="en-US" smtClean="0"/>
               <a:pPr/>
-              <a:t>2/2/2016</a:t>
+              <a:t>2/7/2016</a:t>
             </a:fld>
             <a:endParaRPr lang="en-US"/>
           </a:p>
@@ -2411,7 +2411,7 @@
             <a:fld id="{1D8BD707-D9CF-40AE-B4C6-C98DA3205C09}" type="datetimeFigureOut">
               <a:rPr lang="en-US" smtClean="0"/>
               <a:pPr/>
-              <a:t>2/2/2016</a:t>
+              <a:t>2/7/2016</a:t>
             </a:fld>
             <a:endParaRPr lang="en-US"/>
           </a:p>
@@ -2503,7 +2503,7 @@
             <a:fld id="{1D8BD707-D9CF-40AE-B4C6-C98DA3205C09}" type="datetimeFigureOut">
               <a:rPr lang="en-US" smtClean="0"/>
               <a:pPr/>
-              <a:t>2/2/2016</a:t>
+              <a:t>2/7/2016</a:t>
             </a:fld>
             <a:endParaRPr lang="en-US"/>
           </a:p>
@@ -2777,7 +2777,7 @@
             <a:fld id="{1D8BD707-D9CF-40AE-B4C6-C98DA3205C09}" type="datetimeFigureOut">
               <a:rPr lang="en-US" smtClean="0"/>
               <a:pPr/>
-              <a:t>2/2/2016</a:t>
+              <a:t>2/7/2016</a:t>
             </a:fld>
             <a:endParaRPr lang="en-US"/>
           </a:p>
@@ -3027,7 +3027,7 @@
             <a:fld id="{1D8BD707-D9CF-40AE-B4C6-C98DA3205C09}" type="datetimeFigureOut">
               <a:rPr lang="en-US" smtClean="0"/>
               <a:pPr/>
-              <a:t>2/2/2016</a:t>
+              <a:t>2/7/2016</a:t>
             </a:fld>
             <a:endParaRPr lang="en-US"/>
           </a:p>
@@ -3237,7 +3237,7 @@
             <a:fld id="{1D8BD707-D9CF-40AE-B4C6-C98DA3205C09}" type="datetimeFigureOut">
               <a:rPr lang="en-US" smtClean="0"/>
               <a:pPr/>
-              <a:t>2/2/2016</a:t>
+              <a:t>2/7/2016</a:t>
             </a:fld>
             <a:endParaRPr lang="en-US"/>
           </a:p>
@@ -4000,7 +4000,19 @@
           <a:p>
             <a:r>
               <a:rPr lang="en-US" dirty="0" smtClean="0"/>
-              <a:t>(2B)  Calculate the posterior graph with both the Metropolitan algorithm and grid approximation for a case with 14 heads and 10 tails (where x = </a:t>
+              <a:t>(2B)  Calculate the posterior graph with both </a:t>
+            </a:r>
+            <a:r>
+              <a:rPr lang="en-US" smtClean="0"/>
+              <a:t>the </a:t>
+            </a:r>
+            <a:r>
+              <a:rPr lang="en-US"/>
+              <a:t>Metropolis </a:t>
+            </a:r>
+            <a:r>
+              <a:rPr lang="en-US" dirty="0" smtClean="0"/>
+              <a:t>algorithm and grid approximation for a case with 14 heads and 10 tails (where x = </a:t>
             </a:r>
             <a:r>
               <a:rPr lang="en-US" dirty="0" err="1" smtClean="0"/>
